--- a/cours 2.pptx
+++ b/cours 2.pptx
@@ -229,7 +229,7 @@
             <a:fld id="{EEBEA112-64DE-495A-8739-F277F1C8D154}" type="datetimeFigureOut">
               <a:rPr lang="fr-FR" smtClean="0"/>
               <a:pPr/>
-              <a:t>11/04/2020</a:t>
+              <a:t>09/06/2020</a:t>
             </a:fld>
             <a:endParaRPr lang="fr-FR"/>
           </a:p>
@@ -397,6 +397,11 @@
         </p:txBody>
       </p:sp>
     </p:spTree>
+    <p:extLst>
+      <p:ext uri="{BB962C8B-B14F-4D97-AF65-F5344CB8AC3E}">
+        <p14:creationId xmlns:p14="http://schemas.microsoft.com/office/powerpoint/2010/main" val="161732341"/>
+      </p:ext>
+    </p:extLst>
   </p:cSld>
   <p:clrMap bg1="lt1" tx1="dk1" bg2="lt2" tx2="dk2" accent1="accent1" accent2="accent2" accent3="accent3" accent4="accent4" accent5="accent5" accent6="accent6" hlink="hlink" folHlink="folHlink"/>
   <p:notesStyle>
@@ -569,6 +574,11 @@
         </p:txBody>
       </p:sp>
     </p:spTree>
+    <p:extLst>
+      <p:ext uri="{BB962C8B-B14F-4D97-AF65-F5344CB8AC3E}">
+        <p14:creationId xmlns:p14="http://schemas.microsoft.com/office/powerpoint/2010/main" val="2738190195"/>
+      </p:ext>
+    </p:extLst>
   </p:cSld>
   <p:clrMapOvr>
     <a:masterClrMapping/>
@@ -651,6 +661,11 @@
         </p:txBody>
       </p:sp>
     </p:spTree>
+    <p:extLst>
+      <p:ext uri="{BB962C8B-B14F-4D97-AF65-F5344CB8AC3E}">
+        <p14:creationId xmlns:p14="http://schemas.microsoft.com/office/powerpoint/2010/main" val="1986849655"/>
+      </p:ext>
+    </p:extLst>
   </p:cSld>
   <p:clrMapOvr>
     <a:masterClrMapping/>
@@ -733,6 +748,11 @@
         </p:txBody>
       </p:sp>
     </p:spTree>
+    <p:extLst>
+      <p:ext uri="{BB962C8B-B14F-4D97-AF65-F5344CB8AC3E}">
+        <p14:creationId xmlns:p14="http://schemas.microsoft.com/office/powerpoint/2010/main" val="2670044274"/>
+      </p:ext>
+    </p:extLst>
   </p:cSld>
   <p:clrMapOvr>
     <a:masterClrMapping/>
@@ -815,6 +835,11 @@
         </p:txBody>
       </p:sp>
     </p:spTree>
+    <p:extLst>
+      <p:ext uri="{BB962C8B-B14F-4D97-AF65-F5344CB8AC3E}">
+        <p14:creationId xmlns:p14="http://schemas.microsoft.com/office/powerpoint/2010/main" val="2323136630"/>
+      </p:ext>
+    </p:extLst>
   </p:cSld>
   <p:clrMapOvr>
     <a:masterClrMapping/>
@@ -1002,7 +1027,7 @@
             <a:fld id="{F9B6F4A6-E988-4AD7-B5E1-6C29BBED83BC}" type="datetimeFigureOut">
               <a:rPr lang="fr-FR" smtClean="0"/>
               <a:pPr/>
-              <a:t>11/04/2020</a:t>
+              <a:t>09/06/2020</a:t>
             </a:fld>
             <a:endParaRPr lang="fr-FR"/>
           </a:p>
@@ -1167,7 +1192,7 @@
             <a:fld id="{F9B6F4A6-E988-4AD7-B5E1-6C29BBED83BC}" type="datetimeFigureOut">
               <a:rPr lang="fr-FR" smtClean="0"/>
               <a:pPr/>
-              <a:t>11/04/2020</a:t>
+              <a:t>09/06/2020</a:t>
             </a:fld>
             <a:endParaRPr lang="fr-FR"/>
           </a:p>
@@ -1342,7 +1367,7 @@
             <a:fld id="{F9B6F4A6-E988-4AD7-B5E1-6C29BBED83BC}" type="datetimeFigureOut">
               <a:rPr lang="fr-FR" smtClean="0"/>
               <a:pPr/>
-              <a:t>11/04/2020</a:t>
+              <a:t>09/06/2020</a:t>
             </a:fld>
             <a:endParaRPr lang="fr-FR"/>
           </a:p>
@@ -1507,7 +1532,7 @@
             <a:fld id="{F9B6F4A6-E988-4AD7-B5E1-6C29BBED83BC}" type="datetimeFigureOut">
               <a:rPr lang="fr-FR" smtClean="0"/>
               <a:pPr/>
-              <a:t>11/04/2020</a:t>
+              <a:t>09/06/2020</a:t>
             </a:fld>
             <a:endParaRPr lang="fr-FR"/>
           </a:p>
@@ -1749,7 +1774,7 @@
             <a:fld id="{F9B6F4A6-E988-4AD7-B5E1-6C29BBED83BC}" type="datetimeFigureOut">
               <a:rPr lang="fr-FR" smtClean="0"/>
               <a:pPr/>
-              <a:t>11/04/2020</a:t>
+              <a:t>09/06/2020</a:t>
             </a:fld>
             <a:endParaRPr lang="fr-FR"/>
           </a:p>
@@ -2031,7 +2056,7 @@
             <a:fld id="{F9B6F4A6-E988-4AD7-B5E1-6C29BBED83BC}" type="datetimeFigureOut">
               <a:rPr lang="fr-FR" smtClean="0"/>
               <a:pPr/>
-              <a:t>11/04/2020</a:t>
+              <a:t>09/06/2020</a:t>
             </a:fld>
             <a:endParaRPr lang="fr-FR"/>
           </a:p>
@@ -2447,7 +2472,7 @@
             <a:fld id="{F9B6F4A6-E988-4AD7-B5E1-6C29BBED83BC}" type="datetimeFigureOut">
               <a:rPr lang="fr-FR" smtClean="0"/>
               <a:pPr/>
-              <a:t>11/04/2020</a:t>
+              <a:t>09/06/2020</a:t>
             </a:fld>
             <a:endParaRPr lang="fr-FR"/>
           </a:p>
@@ -2561,7 +2586,7 @@
             <a:fld id="{F9B6F4A6-E988-4AD7-B5E1-6C29BBED83BC}" type="datetimeFigureOut">
               <a:rPr lang="fr-FR" smtClean="0"/>
               <a:pPr/>
-              <a:t>11/04/2020</a:t>
+              <a:t>09/06/2020</a:t>
             </a:fld>
             <a:endParaRPr lang="fr-FR"/>
           </a:p>
@@ -2653,7 +2678,7 @@
             <a:fld id="{F9B6F4A6-E988-4AD7-B5E1-6C29BBED83BC}" type="datetimeFigureOut">
               <a:rPr lang="fr-FR" smtClean="0"/>
               <a:pPr/>
-              <a:t>11/04/2020</a:t>
+              <a:t>09/06/2020</a:t>
             </a:fld>
             <a:endParaRPr lang="fr-FR"/>
           </a:p>
@@ -2925,7 +2950,7 @@
             <a:fld id="{F9B6F4A6-E988-4AD7-B5E1-6C29BBED83BC}" type="datetimeFigureOut">
               <a:rPr lang="fr-FR" smtClean="0"/>
               <a:pPr/>
-              <a:t>11/04/2020</a:t>
+              <a:t>09/06/2020</a:t>
             </a:fld>
             <a:endParaRPr lang="fr-FR"/>
           </a:p>
@@ -3174,7 +3199,7 @@
             <a:fld id="{F9B6F4A6-E988-4AD7-B5E1-6C29BBED83BC}" type="datetimeFigureOut">
               <a:rPr lang="fr-FR" smtClean="0"/>
               <a:pPr/>
-              <a:t>11/04/2020</a:t>
+              <a:t>09/06/2020</a:t>
             </a:fld>
             <a:endParaRPr lang="fr-FR"/>
           </a:p>
@@ -3382,7 +3407,7 @@
             <a:fld id="{F9B6F4A6-E988-4AD7-B5E1-6C29BBED83BC}" type="datetimeFigureOut">
               <a:rPr lang="fr-FR" smtClean="0"/>
               <a:pPr/>
-              <a:t>11/04/2020</a:t>
+              <a:t>09/06/2020</a:t>
             </a:fld>
             <a:endParaRPr lang="fr-FR"/>
           </a:p>
@@ -3778,8 +3803,54 @@
                 <a:latin typeface="Times New Roman" pitchFamily="18" charset="0"/>
                 <a:cs typeface="Times New Roman" pitchFamily="18" charset="0"/>
               </a:rPr>
-              <a:t>Probabilité conditionnelle </a:t>
-            </a:r>
+              <a:t>Probabilité </a:t>
+            </a:r>
+            <a:r>
+              <a:rPr lang="fr-FR" sz="7200" b="1" dirty="0" smtClean="0">
+                <a:solidFill>
+                  <a:srgbClr val="FF0000"/>
+                </a:solidFill>
+                <a:latin typeface="Times New Roman" pitchFamily="18" charset="0"/>
+                <a:cs typeface="Times New Roman" pitchFamily="18" charset="0"/>
+              </a:rPr>
+              <a:t>conditionnelle</a:t>
+            </a:r>
+            <a:br>
+              <a:rPr lang="fr-FR" sz="7200" b="1" dirty="0" smtClean="0">
+                <a:solidFill>
+                  <a:srgbClr val="FF0000"/>
+                </a:solidFill>
+                <a:latin typeface="Times New Roman" pitchFamily="18" charset="0"/>
+                <a:cs typeface="Times New Roman" pitchFamily="18" charset="0"/>
+              </a:rPr>
+            </a:br>
+            <a:r>
+              <a:rPr lang="fr-FR" sz="7200" b="1" smtClean="0">
+                <a:solidFill>
+                  <a:srgbClr val="FF0000"/>
+                </a:solidFill>
+                <a:latin typeface="Times New Roman" pitchFamily="18" charset="0"/>
+                <a:cs typeface="Times New Roman" pitchFamily="18" charset="0"/>
+              </a:rPr>
+              <a:t>Naoufel</a:t>
+            </a:r>
+            <a:r>
+              <a:rPr lang="fr-FR" sz="7200" b="1" smtClean="0">
+                <a:solidFill>
+                  <a:srgbClr val="FF0000"/>
+                </a:solidFill>
+                <a:latin typeface="Times New Roman" pitchFamily="18" charset="0"/>
+                <a:cs typeface="Times New Roman" pitchFamily="18" charset="0"/>
+              </a:rPr>
+              <a:t> </a:t>
+            </a:r>
+            <a:endParaRPr lang="fr-FR" sz="7200" b="1" dirty="0">
+              <a:solidFill>
+                <a:srgbClr val="FF0000"/>
+              </a:solidFill>
+              <a:latin typeface="Times New Roman" pitchFamily="18" charset="0"/>
+              <a:cs typeface="Times New Roman" pitchFamily="18" charset="0"/>
+            </a:endParaRPr>
           </a:p>
         </p:txBody>
       </p:sp>

--- a/cours 2.pptx
+++ b/cours 2.pptx
@@ -129,7 +129,7 @@
   </p:defaultTextStyle>
   <p:extLst>
     <p:ext uri="{EFAFB233-063F-42B5-8137-9DF3F51BA10A}">
-      <p15:sldGuideLst xmlns:p15="http://schemas.microsoft.com/office/powerpoint/2012/main">
+      <p15:sldGuideLst xmlns:p15="http://schemas.microsoft.com/office/powerpoint/2012/main" xmlns="">
         <p15:guide id="1" orient="horz" pos="2160">
           <p15:clr>
             <a:srgbClr val="A4A3A4"/>
@@ -3825,6 +3825,36 @@
               </a:rPr>
             </a:br>
             <a:r>
+              <a:rPr lang="fr-FR" sz="7200" b="1" dirty="0" err="1" smtClean="0">
+                <a:solidFill>
+                  <a:srgbClr val="FF0000"/>
+                </a:solidFill>
+                <a:latin typeface="Times New Roman" pitchFamily="18" charset="0"/>
+                <a:cs typeface="Times New Roman" pitchFamily="18" charset="0"/>
+              </a:rPr>
+              <a:t>Naoufel</a:t>
+            </a:r>
+            <a:r>
+              <a:rPr lang="fr-FR" sz="7200" b="1" dirty="0" smtClean="0">
+                <a:solidFill>
+                  <a:srgbClr val="FF0000"/>
+                </a:solidFill>
+                <a:latin typeface="Times New Roman" pitchFamily="18" charset="0"/>
+                <a:cs typeface="Times New Roman" pitchFamily="18" charset="0"/>
+              </a:rPr>
+              <a:t>  &amp; </a:t>
+            </a:r>
+            <a:r>
+              <a:rPr lang="fr-FR" sz="7200" b="1" dirty="0" err="1" smtClean="0">
+                <a:solidFill>
+                  <a:srgbClr val="FF0000"/>
+                </a:solidFill>
+                <a:latin typeface="Times New Roman" pitchFamily="18" charset="0"/>
+                <a:cs typeface="Times New Roman" pitchFamily="18" charset="0"/>
+              </a:rPr>
+              <a:t>Nomen</a:t>
+            </a:r>
+            <a:r>
               <a:rPr lang="fr-FR" sz="7200" b="1" smtClean="0">
                 <a:solidFill>
                   <a:srgbClr val="FF0000"/>
@@ -3832,9 +3862,9 @@
                 <a:latin typeface="Times New Roman" pitchFamily="18" charset="0"/>
                 <a:cs typeface="Times New Roman" pitchFamily="18" charset="0"/>
               </a:rPr>
-              <a:t>Naoufel</a:t>
-            </a:r>
-            <a:r>
+              <a:t/>
+            </a:r>
+            <a:br>
               <a:rPr lang="fr-FR" sz="7200" b="1" smtClean="0">
                 <a:solidFill>
                   <a:srgbClr val="FF0000"/>
@@ -3842,8 +3872,7 @@
                 <a:latin typeface="Times New Roman" pitchFamily="18" charset="0"/>
                 <a:cs typeface="Times New Roman" pitchFamily="18" charset="0"/>
               </a:rPr>
-              <a:t> </a:t>
-            </a:r>
+            </a:br>
             <a:endParaRPr lang="fr-FR" sz="7200" b="1" dirty="0">
               <a:solidFill>
                 <a:srgbClr val="FF0000"/>

--- a/cours 2.pptx
+++ b/cours 2.pptx
@@ -129,7 +129,7 @@
   </p:defaultTextStyle>
   <p:extLst>
     <p:ext uri="{EFAFB233-063F-42B5-8137-9DF3F51BA10A}">
-      <p15:sldGuideLst xmlns:p15="http://schemas.microsoft.com/office/powerpoint/2012/main" xmlns="">
+      <p15:sldGuideLst xmlns:p15="http://schemas.microsoft.com/office/powerpoint/2012/main">
         <p15:guide id="1" orient="horz" pos="2160">
           <p15:clr>
             <a:srgbClr val="A4A3A4"/>
@@ -3853,6 +3853,16 @@
                 <a:cs typeface="Times New Roman" pitchFamily="18" charset="0"/>
               </a:rPr>
               <a:t>Nomen</a:t>
+            </a:r>
+            <a:r>
+              <a:rPr lang="fr-FR" sz="7200" b="1" smtClean="0">
+                <a:solidFill>
+                  <a:srgbClr val="FF0000"/>
+                </a:solidFill>
+                <a:latin typeface="Times New Roman" pitchFamily="18" charset="0"/>
+                <a:cs typeface="Times New Roman" pitchFamily="18" charset="0"/>
+              </a:rPr>
+              <a:t>  </a:t>
             </a:r>
             <a:r>
               <a:rPr lang="fr-FR" sz="7200" b="1" smtClean="0">

--- a/cours 2.pptx
+++ b/cours 2.pptx
@@ -3855,6 +3855,25 @@
               <a:t>Nomen</a:t>
             </a:r>
             <a:r>
+              <a:rPr lang="fr-FR" sz="7200" b="1" dirty="0" smtClean="0">
+                <a:solidFill>
+                  <a:srgbClr val="FF0000"/>
+                </a:solidFill>
+                <a:latin typeface="Times New Roman" pitchFamily="18" charset="0"/>
+                <a:cs typeface="Times New Roman" pitchFamily="18" charset="0"/>
+              </a:rPr>
+              <a:t/>
+            </a:r>
+            <a:br>
+              <a:rPr lang="fr-FR" sz="7200" b="1" dirty="0" smtClean="0">
+                <a:solidFill>
+                  <a:srgbClr val="FF0000"/>
+                </a:solidFill>
+                <a:latin typeface="Times New Roman" pitchFamily="18" charset="0"/>
+                <a:cs typeface="Times New Roman" pitchFamily="18" charset="0"/>
+              </a:rPr>
+            </a:br>
+            <a:r>
               <a:rPr lang="fr-FR" sz="7200" b="1" smtClean="0">
                 <a:solidFill>
                   <a:srgbClr val="FF0000"/>
@@ -3862,10 +3881,10 @@
                 <a:latin typeface="Times New Roman" pitchFamily="18" charset="0"/>
                 <a:cs typeface="Times New Roman" pitchFamily="18" charset="0"/>
               </a:rPr>
-              <a:t>  </a:t>
-            </a:r>
-            <a:r>
-              <a:rPr lang="fr-FR" sz="7200" b="1" smtClean="0">
+              <a:t>Dagdeg</a:t>
+            </a:r>
+            <a:r>
+              <a:rPr lang="fr-FR" sz="7200" b="1" dirty="0" smtClean="0">
                 <a:solidFill>
                   <a:srgbClr val="FF0000"/>
                 </a:solidFill>
@@ -3875,7 +3894,7 @@
               <a:t/>
             </a:r>
             <a:br>
-              <a:rPr lang="fr-FR" sz="7200" b="1" smtClean="0">
+              <a:rPr lang="fr-FR" sz="7200" b="1" dirty="0" smtClean="0">
                 <a:solidFill>
                   <a:srgbClr val="FF0000"/>
                 </a:solidFill>

--- a/cours 2.pptx
+++ b/cours 2.pptx
@@ -3796,93 +3796,15 @@
           <a:lstStyle/>
           <a:p>
             <a:r>
-              <a:rPr lang="fr-FR" sz="7200" b="1" dirty="0">
+              <a:rPr lang="fr-FR" sz="7200" b="1">
                 <a:solidFill>
                   <a:srgbClr val="FF0000"/>
                 </a:solidFill>
                 <a:latin typeface="Times New Roman" pitchFamily="18" charset="0"/>
                 <a:cs typeface="Times New Roman" pitchFamily="18" charset="0"/>
               </a:rPr>
-              <a:t>Probabilité </a:t>
-            </a:r>
-            <a:r>
-              <a:rPr lang="fr-FR" sz="7200" b="1" dirty="0" smtClean="0">
-                <a:solidFill>
-                  <a:srgbClr val="FF0000"/>
-                </a:solidFill>
-                <a:latin typeface="Times New Roman" pitchFamily="18" charset="0"/>
-                <a:cs typeface="Times New Roman" pitchFamily="18" charset="0"/>
-              </a:rPr>
-              <a:t>conditionnelle</a:t>
-            </a:r>
-            <a:br>
-              <a:rPr lang="fr-FR" sz="7200" b="1" dirty="0" smtClean="0">
-                <a:solidFill>
-                  <a:srgbClr val="FF0000"/>
-                </a:solidFill>
-                <a:latin typeface="Times New Roman" pitchFamily="18" charset="0"/>
-                <a:cs typeface="Times New Roman" pitchFamily="18" charset="0"/>
-              </a:rPr>
-            </a:br>
-            <a:r>
-              <a:rPr lang="fr-FR" sz="7200" b="1" dirty="0" err="1" smtClean="0">
-                <a:solidFill>
-                  <a:srgbClr val="FF0000"/>
-                </a:solidFill>
-                <a:latin typeface="Times New Roman" pitchFamily="18" charset="0"/>
-                <a:cs typeface="Times New Roman" pitchFamily="18" charset="0"/>
-              </a:rPr>
-              <a:t>Naoufel</a:t>
-            </a:r>
-            <a:r>
-              <a:rPr lang="fr-FR" sz="7200" b="1" dirty="0" smtClean="0">
-                <a:solidFill>
-                  <a:srgbClr val="FF0000"/>
-                </a:solidFill>
-                <a:latin typeface="Times New Roman" pitchFamily="18" charset="0"/>
-                <a:cs typeface="Times New Roman" pitchFamily="18" charset="0"/>
-              </a:rPr>
-              <a:t>  &amp; </a:t>
-            </a:r>
-            <a:r>
-              <a:rPr lang="fr-FR" sz="7200" b="1" dirty="0" err="1" smtClean="0">
-                <a:solidFill>
-                  <a:srgbClr val="FF0000"/>
-                </a:solidFill>
-                <a:latin typeface="Times New Roman" pitchFamily="18" charset="0"/>
-                <a:cs typeface="Times New Roman" pitchFamily="18" charset="0"/>
-              </a:rPr>
-              <a:t>Nomen</a:t>
-            </a:r>
-            <a:r>
-              <a:rPr lang="fr-FR" sz="7200" b="1" smtClean="0">
-                <a:solidFill>
-                  <a:srgbClr val="FF0000"/>
-                </a:solidFill>
-                <a:latin typeface="Times New Roman" pitchFamily="18" charset="0"/>
-                <a:cs typeface="Times New Roman" pitchFamily="18" charset="0"/>
-              </a:rPr>
-              <a:t>  </a:t>
-            </a:r>
-            <a:r>
-              <a:rPr lang="fr-FR" sz="7200" b="1" smtClean="0">
-                <a:solidFill>
-                  <a:srgbClr val="FF0000"/>
-                </a:solidFill>
-                <a:latin typeface="Times New Roman" pitchFamily="18" charset="0"/>
-                <a:cs typeface="Times New Roman" pitchFamily="18" charset="0"/>
-              </a:rPr>
-              <a:t/>
-            </a:r>
-            <a:br>
-              <a:rPr lang="fr-FR" sz="7200" b="1" smtClean="0">
-                <a:solidFill>
-                  <a:srgbClr val="FF0000"/>
-                </a:solidFill>
-                <a:latin typeface="Times New Roman" pitchFamily="18" charset="0"/>
-                <a:cs typeface="Times New Roman" pitchFamily="18" charset="0"/>
-              </a:rPr>
-            </a:br>
+              <a:t>github</a:t>
+            </a:r>
             <a:endParaRPr lang="fr-FR" sz="7200" b="1" dirty="0">
               <a:solidFill>
                 <a:srgbClr val="FF0000"/>

--- a/cours 2.pptx
+++ b/cours 2.pptx
@@ -3796,7 +3796,7 @@
           <a:lstStyle/>
           <a:p>
             <a:r>
-              <a:rPr lang="fr-FR" sz="7200" b="1">
+              <a:rPr lang="fr-FR" sz="7200" b="1" dirty="0" err="1">
                 <a:solidFill>
                   <a:srgbClr val="FF0000"/>
                 </a:solidFill>

--- a/cours 2.pptx
+++ b/cours 2.pptx
@@ -3803,20 +3803,10 @@
                 <a:latin typeface="Times New Roman" pitchFamily="18" charset="0"/>
                 <a:cs typeface="Times New Roman" pitchFamily="18" charset="0"/>
               </a:rPr>
-              <a:t>Probabilité </a:t>
-            </a:r>
-            <a:r>
-              <a:rPr lang="fr-FR" sz="7200" b="1" dirty="0" smtClean="0">
-                <a:solidFill>
-                  <a:srgbClr val="FF0000"/>
-                </a:solidFill>
-                <a:latin typeface="Times New Roman" pitchFamily="18" charset="0"/>
-                <a:cs typeface="Times New Roman" pitchFamily="18" charset="0"/>
-              </a:rPr>
-              <a:t>conditionnelle</a:t>
+              <a:t>Probabilité conditionnelle</a:t>
             </a:r>
             <a:br>
-              <a:rPr lang="fr-FR" sz="7200" b="1" dirty="0" smtClean="0">
+              <a:rPr lang="fr-FR" sz="7200" b="1" dirty="0">
                 <a:solidFill>
                   <a:srgbClr val="FF0000"/>
                 </a:solidFill>
@@ -3825,47 +3815,17 @@
               </a:rPr>
             </a:br>
             <a:r>
-              <a:rPr lang="fr-FR" sz="7200" b="1" dirty="0" err="1" smtClean="0">
+              <a:rPr lang="fr-FR" sz="7200" b="1" dirty="0">
                 <a:solidFill>
                   <a:srgbClr val="FF0000"/>
                 </a:solidFill>
                 <a:latin typeface="Times New Roman" pitchFamily="18" charset="0"/>
                 <a:cs typeface="Times New Roman" pitchFamily="18" charset="0"/>
               </a:rPr>
-              <a:t>Naoufel</a:t>
-            </a:r>
-            <a:r>
-              <a:rPr lang="fr-FR" sz="7200" b="1" dirty="0" smtClean="0">
-                <a:solidFill>
-                  <a:srgbClr val="FF0000"/>
-                </a:solidFill>
-                <a:latin typeface="Times New Roman" pitchFamily="18" charset="0"/>
-                <a:cs typeface="Times New Roman" pitchFamily="18" charset="0"/>
-              </a:rPr>
-              <a:t>  &amp; </a:t>
-            </a:r>
-            <a:r>
-              <a:rPr lang="fr-FR" sz="7200" b="1" dirty="0" err="1" smtClean="0">
-                <a:solidFill>
-                  <a:srgbClr val="FF0000"/>
-                </a:solidFill>
-                <a:latin typeface="Times New Roman" pitchFamily="18" charset="0"/>
-                <a:cs typeface="Times New Roman" pitchFamily="18" charset="0"/>
-              </a:rPr>
-              <a:t>Nomen</a:t>
-            </a:r>
-            <a:r>
-              <a:rPr lang="fr-FR" sz="7200" b="1" dirty="0" smtClean="0">
-                <a:solidFill>
-                  <a:srgbClr val="FF0000"/>
-                </a:solidFill>
-                <a:latin typeface="Times New Roman" pitchFamily="18" charset="0"/>
-                <a:cs typeface="Times New Roman" pitchFamily="18" charset="0"/>
-              </a:rPr>
-              <a:t/>
+              <a:t>Naoufel  &amp; Nomen</a:t>
             </a:r>
             <a:br>
-              <a:rPr lang="fr-FR" sz="7200" b="1" dirty="0" smtClean="0">
+              <a:rPr lang="fr-FR" sz="7200" b="1" dirty="0">
                 <a:solidFill>
                   <a:srgbClr val="FF0000"/>
                 </a:solidFill>
@@ -3874,27 +3834,17 @@
               </a:rPr>
             </a:br>
             <a:r>
-              <a:rPr lang="fr-FR" sz="7200" b="1" smtClean="0">
+              <a:rPr lang="fr-FR" sz="7200" b="1">
                 <a:solidFill>
                   <a:srgbClr val="FF0000"/>
                 </a:solidFill>
                 <a:latin typeface="Times New Roman" pitchFamily="18" charset="0"/>
                 <a:cs typeface="Times New Roman" pitchFamily="18" charset="0"/>
               </a:rPr>
-              <a:t>Dagdeg</a:t>
-            </a:r>
-            <a:r>
-              <a:rPr lang="fr-FR" sz="7200" b="1" dirty="0" smtClean="0">
-                <a:solidFill>
-                  <a:srgbClr val="FF0000"/>
-                </a:solidFill>
-                <a:latin typeface="Times New Roman" pitchFamily="18" charset="0"/>
-                <a:cs typeface="Times New Roman" pitchFamily="18" charset="0"/>
-              </a:rPr>
-              <a:t/>
+              <a:t>dhia</a:t>
             </a:r>
             <a:br>
-              <a:rPr lang="fr-FR" sz="7200" b="1" dirty="0" smtClean="0">
+              <a:rPr lang="fr-FR" sz="7200" b="1" dirty="0">
                 <a:solidFill>
                   <a:srgbClr val="FF0000"/>
                 </a:solidFill>

--- a/cours 2.pptx
+++ b/cours 2.pptx
@@ -3874,7 +3874,7 @@
               </a:rPr>
             </a:br>
             <a:r>
-              <a:rPr lang="fr-FR" sz="7200" b="1" smtClean="0">
+              <a:rPr lang="fr-FR" sz="7200" b="1" dirty="0" err="1" smtClean="0">
                 <a:solidFill>
                   <a:srgbClr val="FF0000"/>
                 </a:solidFill>
@@ -17054,6 +17054,41 @@
               </a:rPr>
               <a:t>les événements A et B sont donc indépendants. </a:t>
             </a:r>
+          </a:p>
+        </p:txBody>
+      </p:sp>
+      <p:sp>
+        <p:nvSpPr>
+          <p:cNvPr id="2" name="Rectangle 1"/>
+          <p:cNvSpPr/>
+          <p:nvPr/>
+        </p:nvSpPr>
+        <p:spPr>
+          <a:xfrm>
+            <a:off x="785786" y="4774890"/>
+            <a:ext cx="4572000" cy="369332"/>
+          </a:xfrm>
+          <a:prstGeom prst="rect">
+            <a:avLst/>
+          </a:prstGeom>
+        </p:spPr>
+        <p:txBody>
+          <a:bodyPr>
+            <a:spAutoFit/>
+          </a:bodyPr>
+          <a:lstStyle/>
+          <a:p>
+            <a:r>
+              <a:rPr lang="fr-FR" dirty="0" err="1" smtClean="0">
+                <a:latin typeface="Times New Roman" pitchFamily="18" charset="0"/>
+                <a:cs typeface="Times New Roman" pitchFamily="18" charset="0"/>
+              </a:rPr>
+              <a:t>qfjbqJFBQJBFJbfqjdbvkqdjbvhjVBQDhqvqdb</a:t>
+            </a:r>
+            <a:endParaRPr lang="fr-FR" dirty="0">
+              <a:latin typeface="Times New Roman" pitchFamily="18" charset="0"/>
+              <a:cs typeface="Times New Roman" pitchFamily="18" charset="0"/>
+            </a:endParaRPr>
           </a:p>
         </p:txBody>
       </p:sp>

--- a/cours 2.pptx
+++ b/cours 2.pptx
@@ -129,7 +129,7 @@
   </p:defaultTextStyle>
   <p:extLst>
     <p:ext uri="{EFAFB233-063F-42B5-8137-9DF3F51BA10A}">
-      <p15:sldGuideLst xmlns:p15="http://schemas.microsoft.com/office/powerpoint/2012/main">
+      <p15:sldGuideLst xmlns:p15="http://schemas.microsoft.com/office/powerpoint/2012/main" xmlns="">
         <p15:guide id="1" orient="horz" pos="2160">
           <p15:clr>
             <a:srgbClr val="A4A3A4"/>
@@ -3855,6 +3855,45 @@
               <a:t>Nomen</a:t>
             </a:r>
             <a:r>
+              <a:rPr lang="fr-FR" sz="7200" b="1" dirty="0" smtClean="0">
+                <a:solidFill>
+                  <a:srgbClr val="FF0000"/>
+                </a:solidFill>
+                <a:latin typeface="Times New Roman" pitchFamily="18" charset="0"/>
+                <a:cs typeface="Times New Roman" pitchFamily="18" charset="0"/>
+              </a:rPr>
+              <a:t>  </a:t>
+            </a:r>
+            <a:br>
+              <a:rPr lang="fr-FR" sz="7200" b="1" dirty="0" smtClean="0">
+                <a:solidFill>
+                  <a:srgbClr val="FF0000"/>
+                </a:solidFill>
+                <a:latin typeface="Times New Roman" pitchFamily="18" charset="0"/>
+                <a:cs typeface="Times New Roman" pitchFamily="18" charset="0"/>
+              </a:rPr>
+            </a:br>
+            <a:r>
+              <a:rPr lang="fr-FR" sz="7200" b="1" dirty="0" err="1" smtClean="0">
+                <a:solidFill>
+                  <a:srgbClr val="FF0000"/>
+                </a:solidFill>
+                <a:latin typeface="Times New Roman" pitchFamily="18" charset="0"/>
+                <a:cs typeface="Times New Roman" pitchFamily="18" charset="0"/>
+              </a:rPr>
+              <a:t>hana</a:t>
+            </a:r>
+            <a:r>
+              <a:rPr lang="fr-FR" sz="7200" b="1" dirty="0" smtClean="0">
+                <a:solidFill>
+                  <a:srgbClr val="FF0000"/>
+                </a:solidFill>
+                <a:latin typeface="Times New Roman" pitchFamily="18" charset="0"/>
+                <a:cs typeface="Times New Roman" pitchFamily="18" charset="0"/>
+              </a:rPr>
+              <a:t> </a:t>
+            </a:r>
+            <a:r>
               <a:rPr lang="fr-FR" sz="7200" b="1" smtClean="0">
                 <a:solidFill>
                   <a:srgbClr val="FF0000"/>
@@ -3862,27 +3901,8 @@
                 <a:latin typeface="Times New Roman" pitchFamily="18" charset="0"/>
                 <a:cs typeface="Times New Roman" pitchFamily="18" charset="0"/>
               </a:rPr>
-              <a:t>  </a:t>
-            </a:r>
-            <a:r>
-              <a:rPr lang="fr-FR" sz="7200" b="1" smtClean="0">
-                <a:solidFill>
-                  <a:srgbClr val="FF0000"/>
-                </a:solidFill>
-                <a:latin typeface="Times New Roman" pitchFamily="18" charset="0"/>
-                <a:cs typeface="Times New Roman" pitchFamily="18" charset="0"/>
-              </a:rPr>
-              <a:t/>
-            </a:r>
-            <a:br>
-              <a:rPr lang="fr-FR" sz="7200" b="1" smtClean="0">
-                <a:solidFill>
-                  <a:srgbClr val="FF0000"/>
-                </a:solidFill>
-                <a:latin typeface="Times New Roman" pitchFamily="18" charset="0"/>
-                <a:cs typeface="Times New Roman" pitchFamily="18" charset="0"/>
-              </a:rPr>
-            </a:br>
+              <a:t>njarbou</a:t>
+            </a:r>
             <a:endParaRPr lang="fr-FR" sz="7200" b="1" dirty="0">
               <a:solidFill>
                 <a:srgbClr val="FF0000"/>

--- a/cours 2.pptx
+++ b/cours 2.pptx
@@ -3882,6 +3882,26 @@
                 <a:cs typeface="Times New Roman" pitchFamily="18" charset="0"/>
               </a:rPr>
               <a:t>Dagdeg</a:t>
+            </a:r>
+            <a:r>
+              <a:rPr lang="fr-FR" sz="7200" b="1" dirty="0" smtClean="0">
+                <a:solidFill>
+                  <a:srgbClr val="FF0000"/>
+                </a:solidFill>
+                <a:latin typeface="Times New Roman" pitchFamily="18" charset="0"/>
+                <a:cs typeface="Times New Roman" pitchFamily="18" charset="0"/>
+              </a:rPr>
+              <a:t> &amp; </a:t>
+            </a:r>
+            <a:r>
+              <a:rPr lang="fr-FR" sz="7200" b="1" smtClean="0">
+                <a:solidFill>
+                  <a:srgbClr val="FF0000"/>
+                </a:solidFill>
+                <a:latin typeface="Times New Roman" pitchFamily="18" charset="0"/>
+                <a:cs typeface="Times New Roman" pitchFamily="18" charset="0"/>
+              </a:rPr>
+              <a:t>ayem</a:t>
             </a:r>
             <a:r>
               <a:rPr lang="fr-FR" sz="7200" b="1" dirty="0" smtClean="0">

--- a/cours 2.pptx
+++ b/cours 2.pptx
@@ -3834,15 +3834,34 @@
               </a:rPr>
             </a:br>
             <a:r>
-              <a:rPr lang="fr-FR" sz="7200" b="1">
+              <a:rPr lang="fr-FR" sz="7200" b="1" dirty="0" err="1">
                 <a:solidFill>
                   <a:srgbClr val="FF0000"/>
                 </a:solidFill>
                 <a:latin typeface="Times New Roman" pitchFamily="18" charset="0"/>
                 <a:cs typeface="Times New Roman" pitchFamily="18" charset="0"/>
               </a:rPr>
-              <a:t>dhia</a:t>
-            </a:r>
+              <a:t>Dagdeg</a:t>
+            </a:r>
+            <a:r>
+              <a:rPr lang="fr-FR" sz="7200" b="1" dirty="0">
+                <a:solidFill>
+                  <a:srgbClr val="FF0000"/>
+                </a:solidFill>
+                <a:latin typeface="Times New Roman" pitchFamily="18" charset="0"/>
+                <a:cs typeface="Times New Roman" pitchFamily="18" charset="0"/>
+              </a:rPr>
+              <a:t> </a:t>
+            </a:r>
+            <a:br>
+              <a:rPr lang="fr-FR" sz="7200" b="1" dirty="0">
+                <a:solidFill>
+                  <a:srgbClr val="FF0000"/>
+                </a:solidFill>
+                <a:latin typeface="Times New Roman" pitchFamily="18" charset="0"/>
+                <a:cs typeface="Times New Roman" pitchFamily="18" charset="0"/>
+              </a:rPr>
+            </a:br>
             <a:br>
               <a:rPr lang="fr-FR" sz="7200" b="1" dirty="0">
                 <a:solidFill>
@@ -17002,8 +17021,65 @@
                 <a:latin typeface="Times New Roman" pitchFamily="18" charset="0"/>
                 <a:cs typeface="Times New Roman" pitchFamily="18" charset="0"/>
               </a:rPr>
-              <a:t>les événements A et B sont donc indépendants. </a:t>
-            </a:r>
+              <a:t>les événements A et B sont donc indépendants.</a:t>
+            </a:r>
+          </a:p>
+          <a:p>
+            <a:r>
+              <a:rPr lang="fr-FR" sz="8800" dirty="0" err="1">
+                <a:solidFill>
+                  <a:srgbClr val="FF0000"/>
+                </a:solidFill>
+                <a:latin typeface="Times New Roman" pitchFamily="18" charset="0"/>
+                <a:cs typeface="Times New Roman" pitchFamily="18" charset="0"/>
+              </a:rPr>
+              <a:t>Dhia</a:t>
+            </a:r>
+            <a:r>
+              <a:rPr lang="fr-FR" sz="8800" dirty="0">
+                <a:solidFill>
+                  <a:srgbClr val="FF0000"/>
+                </a:solidFill>
+                <a:latin typeface="Times New Roman" pitchFamily="18" charset="0"/>
+                <a:cs typeface="Times New Roman" pitchFamily="18" charset="0"/>
+              </a:rPr>
+              <a:t>  </a:t>
+            </a:r>
+          </a:p>
+        </p:txBody>
+      </p:sp>
+      <p:sp>
+        <p:nvSpPr>
+          <p:cNvPr id="2" name="Rectangle 1"/>
+          <p:cNvSpPr/>
+          <p:nvPr/>
+        </p:nvSpPr>
+        <p:spPr>
+          <a:xfrm>
+            <a:off x="785786" y="4774890"/>
+            <a:ext cx="4572000" cy="369332"/>
+          </a:xfrm>
+          <a:prstGeom prst="rect">
+            <a:avLst/>
+          </a:prstGeom>
+        </p:spPr>
+        <p:txBody>
+          <a:bodyPr>
+            <a:spAutoFit/>
+          </a:bodyPr>
+          <a:lstStyle/>
+          <a:p>
+            <a:r>
+              <a:rPr lang="fr-FR" dirty="0" err="1">
+                <a:latin typeface="Times New Roman" pitchFamily="18" charset="0"/>
+                <a:cs typeface="Times New Roman" pitchFamily="18" charset="0"/>
+              </a:rPr>
+              <a:t>qfjbqJFBQJBFJbfqjdbvkqdjbvhjVBQDhqvqdb</a:t>
+            </a:r>
+            <a:endParaRPr lang="fr-FR" dirty="0">
+              <a:latin typeface="Times New Roman" pitchFamily="18" charset="0"/>
+              <a:cs typeface="Times New Roman" pitchFamily="18" charset="0"/>
+            </a:endParaRPr>
           </a:p>
         </p:txBody>
       </p:sp>

--- a/cours 2.pptx
+++ b/cours 2.pptx
@@ -129,7 +129,7 @@
   </p:defaultTextStyle>
   <p:extLst>
     <p:ext uri="{EFAFB233-063F-42B5-8137-9DF3F51BA10A}">
-      <p15:sldGuideLst xmlns:p15="http://schemas.microsoft.com/office/powerpoint/2012/main" xmlns="">
+      <p15:sldGuideLst xmlns="" xmlns:p15="http://schemas.microsoft.com/office/powerpoint/2012/main">
         <p15:guide id="1" orient="horz" pos="2160">
           <p15:clr>
             <a:srgbClr val="A4A3A4"/>
@@ -3894,6 +3894,16 @@
               <a:t> </a:t>
             </a:r>
             <a:r>
+              <a:rPr lang="fr-FR" sz="7200" b="1" dirty="0" err="1" smtClean="0">
+                <a:solidFill>
+                  <a:srgbClr val="FF0000"/>
+                </a:solidFill>
+                <a:latin typeface="Times New Roman" pitchFamily="18" charset="0"/>
+                <a:cs typeface="Times New Roman" pitchFamily="18" charset="0"/>
+              </a:rPr>
+              <a:t>njarbou</a:t>
+            </a:r>
+            <a:r>
               <a:rPr lang="fr-FR" sz="7200" b="1" smtClean="0">
                 <a:solidFill>
                   <a:srgbClr val="FF0000"/>
@@ -3901,7 +3911,7 @@
                 <a:latin typeface="Times New Roman" pitchFamily="18" charset="0"/>
                 <a:cs typeface="Times New Roman" pitchFamily="18" charset="0"/>
               </a:rPr>
-              <a:t>njarbou</a:t>
+              <a:t> ok</a:t>
             </a:r>
             <a:endParaRPr lang="fr-FR" sz="7200" b="1" dirty="0">
               <a:solidFill>

--- a/cours 2.pptx
+++ b/cours 2.pptx
@@ -129,7 +129,7 @@
   </p:defaultTextStyle>
   <p:extLst>
     <p:ext uri="{EFAFB233-063F-42B5-8137-9DF3F51BA10A}">
-      <p15:sldGuideLst xmlns:p15="http://schemas.microsoft.com/office/powerpoint/2012/main">
+      <p15:sldGuideLst xmlns:p15="http://schemas.microsoft.com/office/powerpoint/2012/main" xmlns="">
         <p15:guide id="1" orient="horz" pos="2160">
           <p15:clr>
             <a:srgbClr val="A4A3A4"/>
@@ -3882,6 +3882,16 @@
                 <a:cs typeface="Times New Roman" pitchFamily="18" charset="0"/>
               </a:rPr>
               <a:t>Dagdeg</a:t>
+            </a:r>
+            <a:r>
+              <a:rPr lang="fr-FR" sz="7200" b="1" smtClean="0">
+                <a:solidFill>
+                  <a:srgbClr val="FF0000"/>
+                </a:solidFill>
+                <a:latin typeface="Times New Roman" pitchFamily="18" charset="0"/>
+                <a:cs typeface="Times New Roman" pitchFamily="18" charset="0"/>
+              </a:rPr>
+              <a:t> &amp; ok</a:t>
             </a:r>
             <a:r>
               <a:rPr lang="fr-FR" sz="7200" b="1" dirty="0" smtClean="0">

--- a/cours 2.pptx
+++ b/cours 2.pptx
@@ -3803,20 +3803,10 @@
                 <a:latin typeface="Times New Roman" pitchFamily="18" charset="0"/>
                 <a:cs typeface="Times New Roman" pitchFamily="18" charset="0"/>
               </a:rPr>
-              <a:t>Probabilité </a:t>
-            </a:r>
-            <a:r>
-              <a:rPr lang="fr-FR" sz="7200" b="1" dirty="0" smtClean="0">
-                <a:solidFill>
-                  <a:srgbClr val="FF0000"/>
-                </a:solidFill>
-                <a:latin typeface="Times New Roman" pitchFamily="18" charset="0"/>
-                <a:cs typeface="Times New Roman" pitchFamily="18" charset="0"/>
-              </a:rPr>
-              <a:t>conditionnelle</a:t>
+              <a:t>Probabilité conditionnelle</a:t>
             </a:r>
             <a:br>
-              <a:rPr lang="fr-FR" sz="7200" b="1" dirty="0" smtClean="0">
+              <a:rPr lang="fr-FR" sz="7200" b="1" dirty="0">
                 <a:solidFill>
                   <a:srgbClr val="FF0000"/>
                 </a:solidFill>
@@ -3825,7 +3815,7 @@
               </a:rPr>
             </a:br>
             <a:r>
-              <a:rPr lang="fr-FR" sz="7200" b="1" dirty="0" err="1" smtClean="0">
+              <a:rPr lang="fr-FR" sz="7200" b="1" dirty="0" err="1">
                 <a:solidFill>
                   <a:srgbClr val="FF0000"/>
                 </a:solidFill>
@@ -3835,7 +3825,7 @@
               <a:t>Naoufel</a:t>
             </a:r>
             <a:r>
-              <a:rPr lang="fr-FR" sz="7200" b="1" dirty="0" smtClean="0">
+              <a:rPr lang="fr-FR" sz="7200" b="1" dirty="0">
                 <a:solidFill>
                   <a:srgbClr val="FF0000"/>
                 </a:solidFill>
@@ -3845,7 +3835,7 @@
               <a:t>  &amp; </a:t>
             </a:r>
             <a:r>
-              <a:rPr lang="fr-FR" sz="7200" b="1" dirty="0" err="1" smtClean="0">
+              <a:rPr lang="fr-FR" sz="7200" b="1" dirty="0" err="1">
                 <a:solidFill>
                   <a:srgbClr val="FF0000"/>
                 </a:solidFill>
@@ -3854,18 +3844,8 @@
               </a:rPr>
               <a:t>Nomen</a:t>
             </a:r>
-            <a:r>
-              <a:rPr lang="fr-FR" sz="7200" b="1" dirty="0" smtClean="0">
-                <a:solidFill>
-                  <a:srgbClr val="FF0000"/>
-                </a:solidFill>
-                <a:latin typeface="Times New Roman" pitchFamily="18" charset="0"/>
-                <a:cs typeface="Times New Roman" pitchFamily="18" charset="0"/>
-              </a:rPr>
-              <a:t/>
-            </a:r>
             <a:br>
-              <a:rPr lang="fr-FR" sz="7200" b="1" dirty="0" smtClean="0">
+              <a:rPr lang="fr-FR" sz="7200" b="1" dirty="0">
                 <a:solidFill>
                   <a:srgbClr val="FF0000"/>
                 </a:solidFill>
@@ -3874,7 +3854,7 @@
               </a:rPr>
             </a:br>
             <a:r>
-              <a:rPr lang="fr-FR" sz="7200" b="1" dirty="0" err="1" smtClean="0">
+              <a:rPr lang="fr-FR" sz="7200" b="1" dirty="0" err="1">
                 <a:solidFill>
                   <a:srgbClr val="FF0000"/>
                 </a:solidFill>
@@ -3883,18 +3863,8 @@
               </a:rPr>
               <a:t>Dagdeg</a:t>
             </a:r>
-            <a:r>
-              <a:rPr lang="fr-FR" sz="7200" b="1" dirty="0" smtClean="0">
-                <a:solidFill>
-                  <a:srgbClr val="FF0000"/>
-                </a:solidFill>
-                <a:latin typeface="Times New Roman" pitchFamily="18" charset="0"/>
-                <a:cs typeface="Times New Roman" pitchFamily="18" charset="0"/>
-              </a:rPr>
-              <a:t/>
-            </a:r>
             <a:br>
-              <a:rPr lang="fr-FR" sz="7200" b="1" dirty="0" smtClean="0">
+              <a:rPr lang="fr-FR" sz="7200" b="1" dirty="0">
                 <a:solidFill>
                   <a:srgbClr val="FF0000"/>
                 </a:solidFill>
@@ -17055,6 +17025,25 @@
               <a:t>les événements A et B sont donc indépendants. </a:t>
             </a:r>
           </a:p>
+          <a:p>
+            <a:r>
+              <a:rPr lang="fr-FR" sz="2400">
+                <a:solidFill>
+                  <a:schemeClr val="tx1"/>
+                </a:solidFill>
+                <a:latin typeface="Times New Roman" pitchFamily="18" charset="0"/>
+                <a:cs typeface="Times New Roman" pitchFamily="18" charset="0"/>
+              </a:rPr>
+              <a:t>dhiaaaaaaa</a:t>
+            </a:r>
+            <a:endParaRPr lang="fr-FR" sz="2400" dirty="0">
+              <a:solidFill>
+                <a:schemeClr val="tx1"/>
+              </a:solidFill>
+              <a:latin typeface="Times New Roman" pitchFamily="18" charset="0"/>
+              <a:cs typeface="Times New Roman" pitchFamily="18" charset="0"/>
+            </a:endParaRPr>
+          </a:p>
         </p:txBody>
       </p:sp>
       <p:sp>
@@ -17079,7 +17068,7 @@
           <a:lstStyle/>
           <a:p>
             <a:r>
-              <a:rPr lang="fr-FR" dirty="0" err="1" smtClean="0">
+              <a:rPr lang="fr-FR" dirty="0" err="1">
                 <a:latin typeface="Times New Roman" pitchFamily="18" charset="0"/>
                 <a:cs typeface="Times New Roman" pitchFamily="18" charset="0"/>
               </a:rPr>

--- a/cours 2.pptx
+++ b/cours 2.pptx
@@ -15934,6 +15934,10 @@
             </a:r>
           </a:p>
           <a:p>
+            <a:r>
+              <a:rPr lang="fr-FR" smtClean="0"/>
+              <a:t>EHLA BIK</a:t>
+            </a:r>
             <a:endParaRPr lang="fr-FR" dirty="0"/>
           </a:p>
         </p:txBody>
